--- a/Study/9. UML_181224.pptx
+++ b/Study/9. UML_181224.pptx
@@ -210,7 +210,7 @@
           <a:p>
             <a:fld id="{8DD9E706-E0BA-4FBD-AF15-9E3682821587}" type="datetimeFigureOut">
               <a:rPr lang="ko-KR" altLang="en-US" smtClean="0"/>
-              <a:t>2018-12-24</a:t>
+              <a:t>2018-12-28</a:t>
             </a:fld>
             <a:endParaRPr lang="ko-KR" altLang="en-US"/>
           </a:p>
@@ -1083,179 +1083,6 @@
             <a:pPr marL="0" indent="0">
               <a:buNone/>
             </a:pPr>
-            <a:r>
-              <a:rPr lang="ko-KR" altLang="en-US" sz="1200" b="0" i="0" kern="1200" dirty="0">
-                <a:solidFill>
-                  <a:schemeClr val="tx1"/>
-                </a:solidFill>
-                <a:effectLst/>
-                <a:latin typeface="+mn-lt"/>
-                <a:ea typeface="+mn-ea"/>
-                <a:cs typeface="+mn-cs"/>
-              </a:rPr>
-              <a:t>통합 모델링 언어</a:t>
-            </a:r>
-            <a:r>
-              <a:rPr lang="en-US" altLang="ko-KR" sz="1200" b="0" i="0" kern="1200" dirty="0">
-                <a:solidFill>
-                  <a:schemeClr val="tx1"/>
-                </a:solidFill>
-                <a:effectLst/>
-                <a:latin typeface="+mn-lt"/>
-                <a:ea typeface="+mn-ea"/>
-                <a:cs typeface="+mn-cs"/>
-              </a:rPr>
-              <a:t>.</a:t>
-            </a:r>
-          </a:p>
-          <a:p>
-            <a:pPr marL="0" indent="0">
-              <a:buNone/>
-            </a:pPr>
-            <a:r>
-              <a:rPr lang="en-US" altLang="ko-KR" sz="1200" b="0" i="0" kern="1200" dirty="0">
-                <a:solidFill>
-                  <a:schemeClr val="tx1"/>
-                </a:solidFill>
-                <a:effectLst/>
-                <a:latin typeface="+mn-lt"/>
-                <a:ea typeface="+mn-ea"/>
-                <a:cs typeface="+mn-cs"/>
-              </a:rPr>
-              <a:t>OOP(</a:t>
-            </a:r>
-            <a:r>
-              <a:rPr lang="ko-KR" altLang="en-US" sz="1200" b="0" i="0" kern="1200" dirty="0">
-                <a:solidFill>
-                  <a:schemeClr val="tx1"/>
-                </a:solidFill>
-                <a:effectLst/>
-                <a:latin typeface="+mn-lt"/>
-                <a:ea typeface="+mn-ea"/>
-                <a:cs typeface="+mn-cs"/>
-              </a:rPr>
-              <a:t>객체지향프로그래밍</a:t>
-            </a:r>
-            <a:r>
-              <a:rPr lang="en-US" altLang="ko-KR" sz="1200" b="0" i="0" kern="1200" dirty="0">
-                <a:solidFill>
-                  <a:schemeClr val="tx1"/>
-                </a:solidFill>
-                <a:effectLst/>
-                <a:latin typeface="+mn-lt"/>
-                <a:ea typeface="+mn-ea"/>
-                <a:cs typeface="+mn-cs"/>
-              </a:rPr>
-              <a:t>)</a:t>
-            </a:r>
-            <a:r>
-              <a:rPr lang="ko-KR" altLang="en-US" sz="1200" b="0" i="0" kern="1200" dirty="0">
-                <a:solidFill>
-                  <a:schemeClr val="tx1"/>
-                </a:solidFill>
-                <a:effectLst/>
-                <a:latin typeface="+mn-lt"/>
-                <a:ea typeface="+mn-ea"/>
-                <a:cs typeface="+mn-cs"/>
-              </a:rPr>
-              <a:t>에서 </a:t>
-            </a:r>
-            <a:r>
-              <a:rPr lang="ko-KR" altLang="en-US" sz="1200" b="0" i="0" kern="1200" dirty="0" err="1">
-                <a:solidFill>
-                  <a:schemeClr val="tx1"/>
-                </a:solidFill>
-                <a:effectLst/>
-                <a:latin typeface="+mn-lt"/>
-                <a:ea typeface="+mn-ea"/>
-                <a:cs typeface="+mn-cs"/>
-              </a:rPr>
-              <a:t>클래스간의</a:t>
-            </a:r>
-            <a:r>
-              <a:rPr lang="ko-KR" altLang="en-US" sz="1200" b="0" i="0" kern="1200" dirty="0">
-                <a:solidFill>
-                  <a:schemeClr val="tx1"/>
-                </a:solidFill>
-                <a:effectLst/>
-                <a:latin typeface="+mn-lt"/>
-                <a:ea typeface="+mn-ea"/>
-                <a:cs typeface="+mn-cs"/>
-              </a:rPr>
-              <a:t> 관계</a:t>
-            </a:r>
-            <a:r>
-              <a:rPr lang="en-US" altLang="ko-KR" sz="1200" b="0" i="0" kern="1200" dirty="0">
-                <a:solidFill>
-                  <a:schemeClr val="tx1"/>
-                </a:solidFill>
-                <a:effectLst/>
-                <a:latin typeface="+mn-lt"/>
-                <a:ea typeface="+mn-ea"/>
-                <a:cs typeface="+mn-cs"/>
-              </a:rPr>
-              <a:t>, </a:t>
-            </a:r>
-            <a:r>
-              <a:rPr lang="ko-KR" altLang="en-US" sz="1200" b="0" i="0" kern="1200" dirty="0">
-                <a:solidFill>
-                  <a:schemeClr val="tx1"/>
-                </a:solidFill>
-                <a:effectLst/>
-                <a:latin typeface="+mn-lt"/>
-                <a:ea typeface="+mn-ea"/>
-                <a:cs typeface="+mn-cs"/>
-              </a:rPr>
-              <a:t>동적인 행위의 흐름</a:t>
-            </a:r>
-            <a:r>
-              <a:rPr lang="en-US" altLang="ko-KR" sz="1200" b="0" i="0" kern="1200" dirty="0">
-                <a:solidFill>
-                  <a:schemeClr val="tx1"/>
-                </a:solidFill>
-                <a:effectLst/>
-                <a:latin typeface="+mn-lt"/>
-                <a:ea typeface="+mn-ea"/>
-                <a:cs typeface="+mn-cs"/>
-              </a:rPr>
-              <a:t>, </a:t>
-            </a:r>
-            <a:r>
-              <a:rPr lang="ko-KR" altLang="en-US" sz="1200" b="0" i="0" kern="1200" dirty="0">
-                <a:solidFill>
-                  <a:schemeClr val="tx1"/>
-                </a:solidFill>
-                <a:effectLst/>
-                <a:latin typeface="+mn-lt"/>
-                <a:ea typeface="+mn-ea"/>
-                <a:cs typeface="+mn-cs"/>
-              </a:rPr>
-              <a:t>사용자 관점에서의 </a:t>
-            </a:r>
-            <a:r>
-              <a:rPr lang="ko-KR" altLang="en-US" sz="1200" b="0" i="0" kern="1200" dirty="0" err="1">
-                <a:solidFill>
-                  <a:schemeClr val="tx1"/>
-                </a:solidFill>
-                <a:effectLst/>
-                <a:latin typeface="+mn-lt"/>
-                <a:ea typeface="+mn-ea"/>
-                <a:cs typeface="+mn-cs"/>
-              </a:rPr>
-              <a:t>유즈케이스</a:t>
-            </a:r>
-            <a:r>
-              <a:rPr lang="ko-KR" altLang="en-US" sz="1200" b="0" i="0" kern="1200" dirty="0">
-                <a:solidFill>
-                  <a:schemeClr val="tx1"/>
-                </a:solidFill>
-                <a:effectLst/>
-                <a:latin typeface="+mn-lt"/>
-                <a:ea typeface="+mn-ea"/>
-                <a:cs typeface="+mn-cs"/>
-              </a:rPr>
-              <a:t> 등을</a:t>
-            </a:r>
             <a:endParaRPr lang="en-US" altLang="ko-KR" sz="1200" b="0" i="0" kern="1200" dirty="0">
               <a:solidFill>
                 <a:schemeClr val="tx1"/>
@@ -1265,1122 +1092,6 @@
               <a:ea typeface="+mn-ea"/>
               <a:cs typeface="+mn-cs"/>
             </a:endParaRPr>
-          </a:p>
-          <a:p>
-            <a:pPr marL="0" indent="0">
-              <a:buNone/>
-            </a:pPr>
-            <a:r>
-              <a:rPr lang="ko-KR" altLang="en-US" sz="1200" b="0" i="0" kern="1200" dirty="0">
-                <a:solidFill>
-                  <a:schemeClr val="tx1"/>
-                </a:solidFill>
-                <a:effectLst/>
-                <a:latin typeface="+mn-lt"/>
-                <a:ea typeface="+mn-ea"/>
-                <a:cs typeface="+mn-cs"/>
-              </a:rPr>
-              <a:t>시각적으로 표현하는 모델링</a:t>
-            </a:r>
-            <a:r>
-              <a:rPr lang="en-US" altLang="ko-KR" sz="1200" b="0" i="0" kern="1200" dirty="0">
-                <a:solidFill>
-                  <a:schemeClr val="tx1"/>
-                </a:solidFill>
-                <a:effectLst/>
-                <a:latin typeface="+mn-lt"/>
-                <a:ea typeface="+mn-ea"/>
-                <a:cs typeface="+mn-cs"/>
-              </a:rPr>
-              <a:t>, </a:t>
-            </a:r>
-            <a:r>
-              <a:rPr lang="ko-KR" altLang="en-US" sz="1200" b="0" i="0" kern="1200" dirty="0">
-                <a:solidFill>
-                  <a:schemeClr val="tx1"/>
-                </a:solidFill>
-                <a:effectLst/>
-                <a:latin typeface="+mn-lt"/>
-                <a:ea typeface="+mn-ea"/>
-                <a:cs typeface="+mn-cs"/>
-              </a:rPr>
-              <a:t>설계 언어이다</a:t>
-            </a:r>
-            <a:r>
-              <a:rPr lang="en-US" altLang="ko-KR" sz="1200" b="0" i="0" kern="1200" dirty="0">
-                <a:solidFill>
-                  <a:schemeClr val="tx1"/>
-                </a:solidFill>
-                <a:effectLst/>
-                <a:latin typeface="+mn-lt"/>
-                <a:ea typeface="+mn-ea"/>
-                <a:cs typeface="+mn-cs"/>
-              </a:rPr>
-              <a:t>.</a:t>
-            </a:r>
-          </a:p>
-          <a:p>
-            <a:pPr marL="0" indent="0">
-              <a:buNone/>
-            </a:pPr>
-            <a:r>
-              <a:rPr lang="ko-KR" altLang="en-US" sz="1200" b="0" i="0" kern="1200" dirty="0">
-                <a:solidFill>
-                  <a:schemeClr val="tx1"/>
-                </a:solidFill>
-                <a:effectLst/>
-                <a:latin typeface="+mn-lt"/>
-                <a:ea typeface="+mn-ea"/>
-                <a:cs typeface="+mn-cs"/>
-              </a:rPr>
-              <a:t>이런 모델링 언어</a:t>
-            </a:r>
-            <a:r>
-              <a:rPr lang="en-US" altLang="ko-KR" sz="1200" b="0" i="0" kern="1200" dirty="0">
-                <a:solidFill>
-                  <a:schemeClr val="tx1"/>
-                </a:solidFill>
-                <a:effectLst/>
-                <a:latin typeface="+mn-lt"/>
-                <a:ea typeface="+mn-ea"/>
-                <a:cs typeface="+mn-cs"/>
-              </a:rPr>
-              <a:t>, UML</a:t>
-            </a:r>
-            <a:r>
-              <a:rPr lang="ko-KR" altLang="en-US" sz="1200" b="0" i="0" kern="1200" dirty="0">
-                <a:solidFill>
-                  <a:schemeClr val="tx1"/>
-                </a:solidFill>
-                <a:effectLst/>
-                <a:latin typeface="+mn-lt"/>
-                <a:ea typeface="+mn-ea"/>
-                <a:cs typeface="+mn-cs"/>
-              </a:rPr>
-              <a:t>을 사용하는 이유</a:t>
-            </a:r>
-            <a:r>
-              <a:rPr lang="en-US" altLang="ko-KR" sz="1200" b="0" i="0" kern="1200" dirty="0">
-                <a:solidFill>
-                  <a:schemeClr val="tx1"/>
-                </a:solidFill>
-                <a:effectLst/>
-                <a:latin typeface="+mn-lt"/>
-                <a:ea typeface="+mn-ea"/>
-                <a:cs typeface="+mn-cs"/>
-              </a:rPr>
-              <a:t>??</a:t>
-            </a:r>
-          </a:p>
-          <a:p>
-            <a:pPr marL="0" indent="0">
-              <a:buNone/>
-            </a:pPr>
-            <a:endParaRPr lang="en-US" altLang="ko-KR" sz="1200" b="0" i="0" kern="1200" dirty="0">
-              <a:solidFill>
-                <a:schemeClr val="tx1"/>
-              </a:solidFill>
-              <a:effectLst/>
-              <a:latin typeface="+mn-lt"/>
-              <a:ea typeface="+mn-ea"/>
-              <a:cs typeface="+mn-cs"/>
-            </a:endParaRPr>
-          </a:p>
-          <a:p>
-            <a:pPr marL="0" indent="0">
-              <a:buNone/>
-            </a:pPr>
-            <a:r>
-              <a:rPr lang="ko-KR" altLang="en-US" sz="1200" b="0" i="0" kern="1200" dirty="0">
-                <a:solidFill>
-                  <a:schemeClr val="tx1"/>
-                </a:solidFill>
-                <a:effectLst/>
-                <a:latin typeface="+mn-lt"/>
-                <a:ea typeface="+mn-ea"/>
-                <a:cs typeface="+mn-cs"/>
-              </a:rPr>
-              <a:t>설계의 중요성</a:t>
-            </a:r>
-            <a:r>
-              <a:rPr lang="en-US" altLang="ko-KR" sz="1200" b="0" i="0" kern="1200" dirty="0">
-                <a:solidFill>
-                  <a:schemeClr val="tx1"/>
-                </a:solidFill>
-                <a:effectLst/>
-                <a:latin typeface="+mn-lt"/>
-                <a:ea typeface="+mn-ea"/>
-                <a:cs typeface="+mn-cs"/>
-              </a:rPr>
-              <a:t>.</a:t>
-            </a:r>
-          </a:p>
-          <a:p>
-            <a:pPr marL="0" indent="0">
-              <a:buNone/>
-            </a:pPr>
-            <a:endParaRPr lang="en-US" altLang="ko-KR" sz="1200" b="0" i="0" kern="1200" dirty="0">
-              <a:solidFill>
-                <a:schemeClr val="tx1"/>
-              </a:solidFill>
-              <a:effectLst/>
-              <a:latin typeface="+mn-lt"/>
-              <a:ea typeface="+mn-ea"/>
-              <a:cs typeface="+mn-cs"/>
-            </a:endParaRPr>
-          </a:p>
-          <a:p>
-            <a:pPr marL="0" indent="0">
-              <a:buNone/>
-            </a:pPr>
-            <a:r>
-              <a:rPr lang="en-US" altLang="ko-KR" sz="1200" b="0" i="0" kern="1200" dirty="0">
-                <a:solidFill>
-                  <a:schemeClr val="tx1"/>
-                </a:solidFill>
-                <a:effectLst/>
-                <a:latin typeface="+mn-lt"/>
-                <a:ea typeface="+mn-ea"/>
-                <a:cs typeface="+mn-cs"/>
-              </a:rPr>
-              <a:t>21</a:t>
-            </a:r>
-            <a:r>
-              <a:rPr lang="ko-KR" altLang="en-US" sz="1200" b="0" i="0" kern="1200" dirty="0">
-                <a:solidFill>
-                  <a:schemeClr val="tx1"/>
-                </a:solidFill>
-                <a:effectLst/>
-                <a:latin typeface="+mn-lt"/>
-                <a:ea typeface="+mn-ea"/>
-                <a:cs typeface="+mn-cs"/>
-              </a:rPr>
-              <a:t>세기에 이르러서 수많은 회사에서 소프트웨어에 대한 전략적인 가치에 집중하기 시작했습니다</a:t>
-            </a:r>
-            <a:r>
-              <a:rPr lang="en-US" altLang="ko-KR" sz="1200" b="0" i="0" kern="1200" dirty="0">
-                <a:solidFill>
-                  <a:schemeClr val="tx1"/>
-                </a:solidFill>
-                <a:effectLst/>
-                <a:latin typeface="+mn-lt"/>
-                <a:ea typeface="+mn-ea"/>
-                <a:cs typeface="+mn-cs"/>
-              </a:rPr>
-              <a:t>.</a:t>
-            </a:r>
-          </a:p>
-          <a:p>
-            <a:pPr marL="0" indent="0">
-              <a:buNone/>
-            </a:pPr>
-            <a:r>
-              <a:rPr lang="ko-KR" altLang="en-US" sz="1200" b="0" i="0" kern="1200" dirty="0">
-                <a:solidFill>
-                  <a:schemeClr val="tx1"/>
-                </a:solidFill>
-                <a:effectLst/>
-                <a:latin typeface="+mn-lt"/>
-                <a:ea typeface="+mn-ea"/>
-                <a:cs typeface="+mn-cs"/>
-              </a:rPr>
-              <a:t>소프트웨어가 그만큼 중요해진 것이죠</a:t>
-            </a:r>
-            <a:r>
-              <a:rPr lang="en-US" altLang="ko-KR" sz="1200" b="0" i="0" kern="1200" dirty="0">
-                <a:solidFill>
-                  <a:schemeClr val="tx1"/>
-                </a:solidFill>
-                <a:effectLst/>
-                <a:latin typeface="+mn-lt"/>
-                <a:ea typeface="+mn-ea"/>
-                <a:cs typeface="+mn-cs"/>
-              </a:rPr>
-              <a:t>.</a:t>
-            </a:r>
-          </a:p>
-          <a:p>
-            <a:pPr marL="0" indent="0">
-              <a:buNone/>
-            </a:pPr>
-            <a:r>
-              <a:rPr lang="ko-KR" altLang="en-US" sz="1200" b="0" i="0" kern="1200" dirty="0">
-                <a:solidFill>
-                  <a:schemeClr val="tx1"/>
-                </a:solidFill>
-                <a:effectLst/>
-                <a:latin typeface="+mn-lt"/>
-                <a:ea typeface="+mn-ea"/>
-                <a:cs typeface="+mn-cs"/>
-              </a:rPr>
-              <a:t>소프트웨어 개발의 영역은 점점 커져만 갔습니다</a:t>
-            </a:r>
-            <a:r>
-              <a:rPr lang="en-US" altLang="ko-KR" sz="1200" b="0" i="0" kern="1200" dirty="0">
-                <a:solidFill>
-                  <a:schemeClr val="tx1"/>
-                </a:solidFill>
-                <a:effectLst/>
-                <a:latin typeface="+mn-lt"/>
-                <a:ea typeface="+mn-ea"/>
-                <a:cs typeface="+mn-cs"/>
-              </a:rPr>
-              <a:t>. </a:t>
-            </a:r>
-            <a:r>
-              <a:rPr lang="ko-KR" altLang="en-US" sz="1200" b="0" i="0" kern="1200" dirty="0">
-                <a:solidFill>
-                  <a:schemeClr val="tx1"/>
-                </a:solidFill>
-                <a:effectLst/>
-                <a:latin typeface="+mn-lt"/>
-                <a:ea typeface="+mn-ea"/>
-                <a:cs typeface="+mn-cs"/>
-              </a:rPr>
-              <a:t>업무의</a:t>
-            </a:r>
-            <a:r>
-              <a:rPr lang="en-US" altLang="ko-KR" sz="1200" b="0" i="0" kern="1200" dirty="0">
-                <a:solidFill>
-                  <a:schemeClr val="tx1"/>
-                </a:solidFill>
-                <a:effectLst/>
-                <a:latin typeface="+mn-lt"/>
-                <a:ea typeface="+mn-ea"/>
-                <a:cs typeface="+mn-cs"/>
-              </a:rPr>
-              <a:t> </a:t>
-            </a:r>
-            <a:r>
-              <a:rPr lang="ko-KR" altLang="en-US" sz="1200" b="0" i="0" kern="1200" dirty="0">
-                <a:solidFill>
-                  <a:schemeClr val="tx1"/>
-                </a:solidFill>
-                <a:effectLst/>
-                <a:latin typeface="+mn-lt"/>
-                <a:ea typeface="+mn-ea"/>
-                <a:cs typeface="+mn-cs"/>
-              </a:rPr>
-              <a:t>범위나</a:t>
-            </a:r>
-            <a:r>
-              <a:rPr lang="en-US" altLang="ko-KR" sz="1200" b="0" i="0" kern="1200" dirty="0">
-                <a:solidFill>
-                  <a:schemeClr val="tx1"/>
-                </a:solidFill>
-                <a:effectLst/>
-                <a:latin typeface="+mn-lt"/>
-                <a:ea typeface="+mn-ea"/>
-                <a:cs typeface="+mn-cs"/>
-              </a:rPr>
-              <a:t> </a:t>
-            </a:r>
-            <a:r>
-              <a:rPr lang="ko-KR" altLang="en-US" sz="1200" b="0" i="0" kern="1200" dirty="0">
-                <a:solidFill>
-                  <a:schemeClr val="tx1"/>
-                </a:solidFill>
-                <a:effectLst/>
-                <a:latin typeface="+mn-lt"/>
-                <a:ea typeface="+mn-ea"/>
-                <a:cs typeface="+mn-cs"/>
-              </a:rPr>
-              <a:t>규모 등이 최근에 이르러서는 이러한 항목들이 </a:t>
-            </a:r>
-            <a:endParaRPr lang="en-US" altLang="ko-KR" sz="1200" b="0" i="0" kern="1200" dirty="0">
-              <a:solidFill>
-                <a:schemeClr val="tx1"/>
-              </a:solidFill>
-              <a:effectLst/>
-              <a:latin typeface="+mn-lt"/>
-              <a:ea typeface="+mn-ea"/>
-              <a:cs typeface="+mn-cs"/>
-            </a:endParaRPr>
-          </a:p>
-          <a:p>
-            <a:pPr marL="0" indent="0">
-              <a:buNone/>
-            </a:pPr>
-            <a:r>
-              <a:rPr lang="ko-KR" altLang="en-US" sz="1200" b="0" i="0" kern="1200" dirty="0">
-                <a:solidFill>
-                  <a:schemeClr val="tx1"/>
-                </a:solidFill>
-                <a:effectLst/>
-                <a:latin typeface="+mn-lt"/>
-                <a:ea typeface="+mn-ea"/>
-                <a:cs typeface="+mn-cs"/>
-              </a:rPr>
-              <a:t>폭발적으로</a:t>
-            </a:r>
-            <a:r>
-              <a:rPr lang="en-US" altLang="ko-KR" sz="1200" b="0" i="0" kern="1200" dirty="0">
-                <a:solidFill>
-                  <a:schemeClr val="tx1"/>
-                </a:solidFill>
-                <a:effectLst/>
-                <a:latin typeface="+mn-lt"/>
-                <a:ea typeface="+mn-ea"/>
-                <a:cs typeface="+mn-cs"/>
-              </a:rPr>
-              <a:t> </a:t>
-            </a:r>
-            <a:r>
-              <a:rPr lang="ko-KR" altLang="en-US" sz="1200" b="0" i="0" kern="1200" dirty="0">
-                <a:solidFill>
-                  <a:schemeClr val="tx1"/>
-                </a:solidFill>
-                <a:effectLst/>
-                <a:latin typeface="+mn-lt"/>
-                <a:ea typeface="+mn-ea"/>
-                <a:cs typeface="+mn-cs"/>
-              </a:rPr>
-              <a:t>증가한다 라고 얘기해도 과언이 아니게 되었습니다</a:t>
-            </a:r>
-            <a:r>
-              <a:rPr lang="en-US" altLang="ko-KR" sz="1200" b="0" i="0" kern="1200" dirty="0">
-                <a:solidFill>
-                  <a:schemeClr val="tx1"/>
-                </a:solidFill>
-                <a:effectLst/>
-                <a:latin typeface="+mn-lt"/>
-                <a:ea typeface="+mn-ea"/>
-                <a:cs typeface="+mn-cs"/>
-              </a:rPr>
-              <a:t>.</a:t>
-            </a:r>
-          </a:p>
-          <a:p>
-            <a:pPr marL="0" indent="0">
-              <a:buNone/>
-            </a:pPr>
-            <a:r>
-              <a:rPr lang="ko-KR" altLang="en-US" sz="1200" b="0" i="0" kern="1200" dirty="0">
-                <a:solidFill>
-                  <a:schemeClr val="tx1"/>
-                </a:solidFill>
-                <a:effectLst/>
-                <a:latin typeface="+mn-lt"/>
-                <a:ea typeface="+mn-ea"/>
-                <a:cs typeface="+mn-cs"/>
-              </a:rPr>
-              <a:t>수많은 개발자나 기획자</a:t>
-            </a:r>
-            <a:r>
-              <a:rPr lang="en-US" altLang="ko-KR" sz="1200" b="0" i="0" kern="1200" dirty="0">
-                <a:solidFill>
-                  <a:schemeClr val="tx1"/>
-                </a:solidFill>
-                <a:effectLst/>
-                <a:latin typeface="+mn-lt"/>
-                <a:ea typeface="+mn-ea"/>
-                <a:cs typeface="+mn-cs"/>
-              </a:rPr>
-              <a:t>, </a:t>
-            </a:r>
-            <a:r>
-              <a:rPr lang="ko-KR" altLang="en-US" sz="1200" b="0" i="0" kern="1200" dirty="0">
-                <a:solidFill>
-                  <a:schemeClr val="tx1"/>
-                </a:solidFill>
-                <a:effectLst/>
-                <a:latin typeface="+mn-lt"/>
-                <a:ea typeface="+mn-ea"/>
-                <a:cs typeface="+mn-cs"/>
-              </a:rPr>
-              <a:t>기타 소프트웨어를 개발하는데 있어서 이러한 점을 인지하기 시작한 대부분의 사람들이</a:t>
-            </a:r>
-            <a:endParaRPr lang="en-US" altLang="ko-KR" sz="1200" b="0" i="0" kern="1200" dirty="0">
-              <a:solidFill>
-                <a:schemeClr val="tx1"/>
-              </a:solidFill>
-              <a:effectLst/>
-              <a:latin typeface="+mn-lt"/>
-              <a:ea typeface="+mn-ea"/>
-              <a:cs typeface="+mn-cs"/>
-            </a:endParaRPr>
-          </a:p>
-          <a:p>
-            <a:pPr marL="0" indent="0">
-              <a:buNone/>
-            </a:pPr>
-            <a:r>
-              <a:rPr lang="ko-KR" altLang="en-US" sz="1200" b="0" i="0" kern="1200" dirty="0">
-                <a:solidFill>
-                  <a:schemeClr val="tx1"/>
-                </a:solidFill>
-                <a:effectLst/>
-                <a:latin typeface="+mn-lt"/>
-                <a:ea typeface="+mn-ea"/>
-                <a:cs typeface="+mn-cs"/>
-              </a:rPr>
-              <a:t>공통적으로 한가지를 떠올렸습니다</a:t>
-            </a:r>
-            <a:r>
-              <a:rPr lang="en-US" altLang="ko-KR" sz="1200" b="0" i="0" kern="1200" dirty="0">
-                <a:solidFill>
-                  <a:schemeClr val="tx1"/>
-                </a:solidFill>
-                <a:effectLst/>
-                <a:latin typeface="+mn-lt"/>
-                <a:ea typeface="+mn-ea"/>
-                <a:cs typeface="+mn-cs"/>
-              </a:rPr>
-              <a:t>.</a:t>
-            </a:r>
-          </a:p>
-          <a:p>
-            <a:pPr marL="0" indent="0">
-              <a:buNone/>
-            </a:pPr>
-            <a:r>
-              <a:rPr lang="en-US" altLang="ko-KR" sz="1200" b="0" i="0" kern="1200" dirty="0">
-                <a:solidFill>
-                  <a:schemeClr val="tx1"/>
-                </a:solidFill>
-                <a:effectLst/>
-                <a:latin typeface="+mn-lt"/>
-                <a:ea typeface="+mn-ea"/>
-                <a:cs typeface="+mn-cs"/>
-              </a:rPr>
-              <a:t>‘OOP</a:t>
-            </a:r>
-            <a:r>
-              <a:rPr lang="ko-KR" altLang="en-US" sz="1200" b="0" i="0" kern="1200" dirty="0">
-                <a:solidFill>
-                  <a:schemeClr val="tx1"/>
-                </a:solidFill>
-                <a:effectLst/>
-                <a:latin typeface="+mn-lt"/>
-                <a:ea typeface="+mn-ea"/>
-                <a:cs typeface="+mn-cs"/>
-              </a:rPr>
-              <a:t>에서 프로젝트 </a:t>
-            </a:r>
-            <a:r>
-              <a:rPr lang="ko-KR" altLang="en-US" sz="1200" b="0" i="0" kern="1200" dirty="0" err="1">
-                <a:solidFill>
-                  <a:schemeClr val="tx1"/>
-                </a:solidFill>
-                <a:effectLst/>
-                <a:latin typeface="+mn-lt"/>
-                <a:ea typeface="+mn-ea"/>
-                <a:cs typeface="+mn-cs"/>
-              </a:rPr>
-              <a:t>참여자간의</a:t>
-            </a:r>
-            <a:r>
-              <a:rPr lang="ko-KR" altLang="en-US" sz="1200" b="0" i="0" kern="1200" dirty="0">
-                <a:solidFill>
-                  <a:schemeClr val="tx1"/>
-                </a:solidFill>
-                <a:effectLst/>
-                <a:latin typeface="+mn-lt"/>
-                <a:ea typeface="+mn-ea"/>
-                <a:cs typeface="+mn-cs"/>
-              </a:rPr>
-              <a:t> 의사소통을 돕는 표준이 없을까</a:t>
-            </a:r>
-            <a:r>
-              <a:rPr lang="en-US" altLang="ko-KR" sz="1200" b="0" i="0" kern="1200" dirty="0">
-                <a:solidFill>
-                  <a:schemeClr val="tx1"/>
-                </a:solidFill>
-                <a:effectLst/>
-                <a:latin typeface="+mn-lt"/>
-                <a:ea typeface="+mn-ea"/>
-                <a:cs typeface="+mn-cs"/>
-              </a:rPr>
-              <a:t>?’</a:t>
-            </a:r>
-          </a:p>
-          <a:p>
-            <a:pPr marL="0" indent="0">
-              <a:buNone/>
-            </a:pPr>
-            <a:endParaRPr lang="en-US" altLang="ko-KR" sz="1200" b="0" i="0" kern="1200" dirty="0">
-              <a:solidFill>
-                <a:schemeClr val="tx1"/>
-              </a:solidFill>
-              <a:effectLst/>
-              <a:latin typeface="+mn-lt"/>
-              <a:ea typeface="+mn-ea"/>
-              <a:cs typeface="+mn-cs"/>
-            </a:endParaRPr>
-          </a:p>
-          <a:p>
-            <a:pPr marL="0" indent="0">
-              <a:buNone/>
-            </a:pPr>
-            <a:r>
-              <a:rPr lang="ko-KR" altLang="en-US" sz="1200" b="0" i="0" kern="1200" dirty="0">
-                <a:solidFill>
-                  <a:schemeClr val="tx1"/>
-                </a:solidFill>
-                <a:effectLst/>
-                <a:latin typeface="+mn-lt"/>
-                <a:ea typeface="+mn-ea"/>
-                <a:cs typeface="+mn-cs"/>
-              </a:rPr>
-              <a:t>통합 모델링 언어라는 이름에 걸맞게 실제로 객체지향 프로그래밍을 이런 방식으로 하면</a:t>
-            </a:r>
-            <a:endParaRPr lang="en-US" altLang="ko-KR" sz="1200" b="0" i="0" kern="1200" dirty="0">
-              <a:solidFill>
-                <a:schemeClr val="tx1"/>
-              </a:solidFill>
-              <a:effectLst/>
-              <a:latin typeface="+mn-lt"/>
-              <a:ea typeface="+mn-ea"/>
-              <a:cs typeface="+mn-cs"/>
-            </a:endParaRPr>
-          </a:p>
-          <a:p>
-            <a:pPr marL="0" indent="0">
-              <a:buNone/>
-            </a:pPr>
-            <a:r>
-              <a:rPr lang="ko-KR" altLang="en-US" sz="1200" b="0" i="0" kern="1200" dirty="0">
-                <a:solidFill>
-                  <a:schemeClr val="tx1"/>
-                </a:solidFill>
-                <a:effectLst/>
-                <a:latin typeface="+mn-lt"/>
-                <a:ea typeface="+mn-ea"/>
-                <a:cs typeface="+mn-cs"/>
-              </a:rPr>
-              <a:t> 잘 작동할지를 미리 검증할 수도 있으며</a:t>
-            </a:r>
-            <a:endParaRPr lang="en-US" altLang="ko-KR" sz="1200" b="0" i="0" kern="1200" dirty="0">
-              <a:solidFill>
-                <a:schemeClr val="tx1"/>
-              </a:solidFill>
-              <a:effectLst/>
-              <a:latin typeface="+mn-lt"/>
-              <a:ea typeface="+mn-ea"/>
-              <a:cs typeface="+mn-cs"/>
-            </a:endParaRPr>
-          </a:p>
-          <a:p>
-            <a:pPr marL="0" indent="0">
-              <a:buNone/>
-            </a:pPr>
-            <a:endParaRPr lang="en-US" altLang="ko-KR" sz="1200" b="0" i="0" kern="1200" dirty="0">
-              <a:solidFill>
-                <a:schemeClr val="tx1"/>
-              </a:solidFill>
-              <a:effectLst/>
-              <a:latin typeface="+mn-lt"/>
-              <a:ea typeface="+mn-ea"/>
-              <a:cs typeface="+mn-cs"/>
-            </a:endParaRPr>
-          </a:p>
-          <a:p>
-            <a:pPr marL="0" indent="0">
-              <a:buNone/>
-            </a:pPr>
-            <a:r>
-              <a:rPr lang="ko-KR" altLang="en-US" sz="1200" b="0" i="0" kern="1200" dirty="0">
-                <a:solidFill>
-                  <a:schemeClr val="tx1"/>
-                </a:solidFill>
-                <a:effectLst/>
-                <a:latin typeface="+mn-lt"/>
-                <a:ea typeface="+mn-ea"/>
-                <a:cs typeface="+mn-cs"/>
-              </a:rPr>
-              <a:t>일정 규모 이상의 소프트웨어 개발 프로젝트가 진행될 때는 협업이 굉장히 중요합니다</a:t>
-            </a:r>
-            <a:r>
-              <a:rPr lang="en-US" altLang="ko-KR" sz="1200" b="0" i="0" kern="1200" dirty="0">
-                <a:solidFill>
-                  <a:schemeClr val="tx1"/>
-                </a:solidFill>
-                <a:effectLst/>
-                <a:latin typeface="+mn-lt"/>
-                <a:ea typeface="+mn-ea"/>
-                <a:cs typeface="+mn-cs"/>
-              </a:rPr>
-              <a:t>.</a:t>
-            </a:r>
-          </a:p>
-          <a:p>
-            <a:pPr marL="0" indent="0">
-              <a:buNone/>
-            </a:pPr>
-            <a:r>
-              <a:rPr lang="ko-KR" altLang="en-US" sz="1200" b="0" i="0" kern="1200" dirty="0">
-                <a:solidFill>
-                  <a:schemeClr val="tx1"/>
-                </a:solidFill>
-                <a:effectLst/>
-                <a:latin typeface="+mn-lt"/>
-                <a:ea typeface="+mn-ea"/>
-                <a:cs typeface="+mn-cs"/>
-              </a:rPr>
-              <a:t>팀 대 팀 간의 소통</a:t>
-            </a:r>
-            <a:r>
-              <a:rPr lang="en-US" altLang="ko-KR" sz="1200" b="0" i="0" kern="1200" dirty="0">
-                <a:solidFill>
-                  <a:schemeClr val="tx1"/>
-                </a:solidFill>
-                <a:effectLst/>
-                <a:latin typeface="+mn-lt"/>
-                <a:ea typeface="+mn-ea"/>
-                <a:cs typeface="+mn-cs"/>
-              </a:rPr>
-              <a:t>, </a:t>
-            </a:r>
-            <a:r>
-              <a:rPr lang="ko-KR" altLang="en-US" sz="1200" b="0" i="0" kern="1200" dirty="0">
-                <a:solidFill>
-                  <a:schemeClr val="tx1"/>
-                </a:solidFill>
-                <a:effectLst/>
-                <a:latin typeface="+mn-lt"/>
-                <a:ea typeface="+mn-ea"/>
-                <a:cs typeface="+mn-cs"/>
-              </a:rPr>
-              <a:t>기획자와 개발자</a:t>
-            </a:r>
-            <a:r>
-              <a:rPr lang="en-US" altLang="ko-KR" sz="1200" b="0" i="0" kern="1200" dirty="0">
-                <a:solidFill>
-                  <a:schemeClr val="tx1"/>
-                </a:solidFill>
-                <a:effectLst/>
-                <a:latin typeface="+mn-lt"/>
-                <a:ea typeface="+mn-ea"/>
-                <a:cs typeface="+mn-cs"/>
-              </a:rPr>
-              <a:t>, </a:t>
-            </a:r>
-            <a:r>
-              <a:rPr lang="ko-KR" altLang="en-US" sz="1200" b="0" i="0" kern="1200" dirty="0">
-                <a:solidFill>
-                  <a:schemeClr val="tx1"/>
-                </a:solidFill>
-                <a:effectLst/>
-                <a:latin typeface="+mn-lt"/>
-                <a:ea typeface="+mn-ea"/>
-                <a:cs typeface="+mn-cs"/>
-              </a:rPr>
-              <a:t>개발자와 디자이너</a:t>
-            </a:r>
-            <a:r>
-              <a:rPr lang="en-US" altLang="ko-KR" sz="1200" b="0" i="0" kern="1200" dirty="0">
-                <a:solidFill>
-                  <a:schemeClr val="tx1"/>
-                </a:solidFill>
-                <a:effectLst/>
-                <a:latin typeface="+mn-lt"/>
-                <a:ea typeface="+mn-ea"/>
-                <a:cs typeface="+mn-cs"/>
-              </a:rPr>
-              <a:t>, </a:t>
-            </a:r>
-            <a:r>
-              <a:rPr lang="ko-KR" altLang="en-US" sz="1200" b="0" i="0" kern="1200" dirty="0">
-                <a:solidFill>
-                  <a:schemeClr val="tx1"/>
-                </a:solidFill>
-                <a:effectLst/>
-                <a:latin typeface="+mn-lt"/>
-                <a:ea typeface="+mn-ea"/>
-                <a:cs typeface="+mn-cs"/>
-              </a:rPr>
-              <a:t>등등</a:t>
-            </a:r>
-            <a:r>
-              <a:rPr lang="en-US" altLang="ko-KR" sz="1200" b="0" i="0" kern="1200" dirty="0">
-                <a:solidFill>
-                  <a:schemeClr val="tx1"/>
-                </a:solidFill>
-                <a:effectLst/>
-                <a:latin typeface="+mn-lt"/>
-                <a:ea typeface="+mn-ea"/>
-                <a:cs typeface="+mn-cs"/>
-              </a:rPr>
-              <a:t>…</a:t>
-            </a:r>
-          </a:p>
-          <a:p>
-            <a:pPr marL="0" indent="0">
-              <a:buNone/>
-            </a:pPr>
-            <a:r>
-              <a:rPr lang="ko-KR" altLang="en-US" sz="1200" b="0" i="0" kern="1200" dirty="0">
-                <a:solidFill>
-                  <a:schemeClr val="tx1"/>
-                </a:solidFill>
-                <a:effectLst/>
-                <a:latin typeface="+mn-lt"/>
-                <a:ea typeface="+mn-ea"/>
-                <a:cs typeface="+mn-cs"/>
-              </a:rPr>
-              <a:t>특히 프로젝트에 참여하는 개발</a:t>
-            </a:r>
-            <a:r>
-              <a:rPr lang="en-US" altLang="ko-KR" sz="1200" b="0" i="0" kern="1200" dirty="0">
-                <a:solidFill>
-                  <a:schemeClr val="tx1"/>
-                </a:solidFill>
-                <a:effectLst/>
-                <a:latin typeface="+mn-lt"/>
-                <a:ea typeface="+mn-ea"/>
-                <a:cs typeface="+mn-cs"/>
-              </a:rPr>
-              <a:t> </a:t>
-            </a:r>
-            <a:r>
-              <a:rPr lang="ko-KR" altLang="en-US" sz="1200" b="0" i="0" kern="1200" dirty="0">
-                <a:solidFill>
-                  <a:schemeClr val="tx1"/>
-                </a:solidFill>
-                <a:effectLst/>
-                <a:latin typeface="+mn-lt"/>
-                <a:ea typeface="+mn-ea"/>
-                <a:cs typeface="+mn-cs"/>
-              </a:rPr>
-              <a:t>혹은 설계자는 프로젝트 참여자들에게 해당 프로젝트의</a:t>
-            </a:r>
-            <a:endParaRPr lang="en-US" altLang="ko-KR" sz="1200" b="0" i="0" kern="1200" dirty="0">
-              <a:solidFill>
-                <a:schemeClr val="tx1"/>
-              </a:solidFill>
-              <a:effectLst/>
-              <a:latin typeface="+mn-lt"/>
-              <a:ea typeface="+mn-ea"/>
-              <a:cs typeface="+mn-cs"/>
-            </a:endParaRPr>
-          </a:p>
-          <a:p>
-            <a:pPr marL="0" indent="0">
-              <a:buNone/>
-            </a:pPr>
-            <a:r>
-              <a:rPr lang="ko-KR" altLang="en-US" sz="1200" b="0" i="0" kern="1200" dirty="0">
-                <a:solidFill>
-                  <a:schemeClr val="tx1"/>
-                </a:solidFill>
-                <a:effectLst/>
-                <a:latin typeface="+mn-lt"/>
-                <a:ea typeface="+mn-ea"/>
-                <a:cs typeface="+mn-cs"/>
-              </a:rPr>
-              <a:t>로직을 구체적으로 설명해야 할 의무가 있습니다</a:t>
-            </a:r>
-            <a:r>
-              <a:rPr lang="en-US" altLang="ko-KR" sz="1200" b="0" i="0" kern="1200" dirty="0">
-                <a:solidFill>
-                  <a:schemeClr val="tx1"/>
-                </a:solidFill>
-                <a:effectLst/>
-                <a:latin typeface="+mn-lt"/>
-                <a:ea typeface="+mn-ea"/>
-                <a:cs typeface="+mn-cs"/>
-              </a:rPr>
-              <a:t>. </a:t>
-            </a:r>
-            <a:r>
-              <a:rPr lang="ko-KR" altLang="en-US" sz="1200" b="0" i="0" kern="1200" dirty="0">
-                <a:solidFill>
-                  <a:schemeClr val="tx1"/>
-                </a:solidFill>
-                <a:effectLst/>
-                <a:latin typeface="+mn-lt"/>
-                <a:ea typeface="+mn-ea"/>
-                <a:cs typeface="+mn-cs"/>
-              </a:rPr>
-              <a:t>그런 팀원과의 소통을 원활하게 해주는 역할도 있습니다</a:t>
-            </a:r>
-            <a:r>
-              <a:rPr lang="en-US" altLang="ko-KR" sz="1200" b="0" i="0" kern="1200" dirty="0">
-                <a:solidFill>
-                  <a:schemeClr val="tx1"/>
-                </a:solidFill>
-                <a:effectLst/>
-                <a:latin typeface="+mn-lt"/>
-                <a:ea typeface="+mn-ea"/>
-                <a:cs typeface="+mn-cs"/>
-              </a:rPr>
-              <a:t>.</a:t>
-            </a:r>
-          </a:p>
-          <a:p>
-            <a:pPr marL="0" indent="0">
-              <a:buNone/>
-            </a:pPr>
-            <a:endParaRPr lang="en-US" altLang="ko-KR" sz="1200" b="0" i="0" kern="1200" dirty="0">
-              <a:solidFill>
-                <a:schemeClr val="tx1"/>
-              </a:solidFill>
-              <a:effectLst/>
-              <a:latin typeface="+mn-lt"/>
-              <a:ea typeface="+mn-ea"/>
-              <a:cs typeface="+mn-cs"/>
-            </a:endParaRPr>
-          </a:p>
-          <a:p>
-            <a:pPr marL="0" indent="0">
-              <a:buNone/>
-            </a:pPr>
-            <a:r>
-              <a:rPr lang="ko-KR" altLang="en-US" sz="1200" b="0" i="0" kern="1200" dirty="0">
-                <a:solidFill>
-                  <a:schemeClr val="tx1"/>
-                </a:solidFill>
-                <a:effectLst/>
-                <a:latin typeface="+mn-lt"/>
-                <a:ea typeface="+mn-ea"/>
-                <a:cs typeface="+mn-cs"/>
-              </a:rPr>
-              <a:t>왜냐하면 </a:t>
-            </a:r>
-            <a:r>
-              <a:rPr lang="en-US" altLang="ko-KR" sz="1200" b="0" i="0" kern="1200" dirty="0">
-                <a:solidFill>
-                  <a:schemeClr val="tx1"/>
-                </a:solidFill>
-                <a:effectLst/>
-                <a:latin typeface="+mn-lt"/>
-                <a:ea typeface="+mn-ea"/>
-                <a:cs typeface="+mn-cs"/>
-              </a:rPr>
-              <a:t>UML</a:t>
-            </a:r>
-            <a:r>
-              <a:rPr lang="ko-KR" altLang="en-US" sz="1200" b="0" i="0" kern="1200" dirty="0">
-                <a:solidFill>
-                  <a:schemeClr val="tx1"/>
-                </a:solidFill>
-                <a:effectLst/>
-                <a:latin typeface="+mn-lt"/>
-                <a:ea typeface="+mn-ea"/>
-                <a:cs typeface="+mn-cs"/>
-              </a:rPr>
-              <a:t>은 일종의 </a:t>
-            </a:r>
-            <a:r>
-              <a:rPr lang="ko-KR" altLang="en-US" sz="1200" b="0" i="0" kern="1200" dirty="0" err="1">
-                <a:solidFill>
-                  <a:schemeClr val="tx1"/>
-                </a:solidFill>
-                <a:effectLst/>
-                <a:latin typeface="+mn-lt"/>
-                <a:ea typeface="+mn-ea"/>
-                <a:cs typeface="+mn-cs"/>
-              </a:rPr>
-              <a:t>블루프린트</a:t>
-            </a:r>
-            <a:r>
-              <a:rPr lang="en-US" altLang="ko-KR" sz="1200" b="0" i="0" kern="1200" dirty="0">
-                <a:solidFill>
-                  <a:schemeClr val="tx1"/>
-                </a:solidFill>
-                <a:effectLst/>
-                <a:latin typeface="+mn-lt"/>
-                <a:ea typeface="+mn-ea"/>
-                <a:cs typeface="+mn-cs"/>
-              </a:rPr>
-              <a:t>, </a:t>
-            </a:r>
-            <a:r>
-              <a:rPr lang="ko-KR" altLang="en-US" sz="1200" b="0" i="0" kern="1200" dirty="0">
-                <a:solidFill>
-                  <a:schemeClr val="tx1"/>
-                </a:solidFill>
-                <a:effectLst/>
-                <a:latin typeface="+mn-lt"/>
-                <a:ea typeface="+mn-ea"/>
-                <a:cs typeface="+mn-cs"/>
-              </a:rPr>
-              <a:t>즉 설계도이기 </a:t>
-            </a:r>
-            <a:r>
-              <a:rPr lang="ko-KR" altLang="en-US" sz="1200" b="0" i="0" kern="1200" dirty="0" err="1">
-                <a:solidFill>
-                  <a:schemeClr val="tx1"/>
-                </a:solidFill>
-                <a:effectLst/>
-                <a:latin typeface="+mn-lt"/>
-                <a:ea typeface="+mn-ea"/>
-                <a:cs typeface="+mn-cs"/>
-              </a:rPr>
-              <a:t>떄문이지요</a:t>
-            </a:r>
-            <a:r>
-              <a:rPr lang="en-US" altLang="ko-KR" sz="1200" b="0" i="0" kern="1200" dirty="0">
-                <a:solidFill>
-                  <a:schemeClr val="tx1"/>
-                </a:solidFill>
-                <a:effectLst/>
-                <a:latin typeface="+mn-lt"/>
-                <a:ea typeface="+mn-ea"/>
-                <a:cs typeface="+mn-cs"/>
-              </a:rPr>
-              <a:t>.</a:t>
-            </a:r>
-          </a:p>
-          <a:p>
-            <a:pPr marL="0" indent="0">
-              <a:buNone/>
-            </a:pPr>
-            <a:endParaRPr lang="en-US" altLang="ko-KR" sz="1200" b="0" i="0" kern="1200" dirty="0">
-              <a:solidFill>
-                <a:schemeClr val="tx1"/>
-              </a:solidFill>
-              <a:effectLst/>
-              <a:latin typeface="+mn-lt"/>
-              <a:ea typeface="+mn-ea"/>
-              <a:cs typeface="+mn-cs"/>
-            </a:endParaRPr>
-          </a:p>
-          <a:p>
-            <a:pPr marL="0" indent="0">
-              <a:buNone/>
-            </a:pPr>
-            <a:r>
-              <a:rPr lang="ko-KR" altLang="en-US" sz="1200" b="0" i="0" kern="1200" dirty="0">
-                <a:solidFill>
-                  <a:schemeClr val="tx1"/>
-                </a:solidFill>
-                <a:effectLst/>
-                <a:latin typeface="+mn-lt"/>
-                <a:ea typeface="+mn-ea"/>
-                <a:cs typeface="+mn-cs"/>
-              </a:rPr>
-              <a:t>자 그렇다면 </a:t>
-            </a:r>
-            <a:r>
-              <a:rPr lang="ko-KR" altLang="en-US" sz="1200" b="0" i="0" kern="1200" dirty="0" err="1">
-                <a:solidFill>
-                  <a:schemeClr val="tx1"/>
-                </a:solidFill>
-                <a:effectLst/>
-                <a:latin typeface="+mn-lt"/>
-                <a:ea typeface="+mn-ea"/>
-                <a:cs typeface="+mn-cs"/>
-              </a:rPr>
-              <a:t>설계란</a:t>
-            </a:r>
-            <a:r>
-              <a:rPr lang="ko-KR" altLang="en-US" sz="1200" b="0" i="0" kern="1200" dirty="0">
-                <a:solidFill>
-                  <a:schemeClr val="tx1"/>
-                </a:solidFill>
-                <a:effectLst/>
-                <a:latin typeface="+mn-lt"/>
-                <a:ea typeface="+mn-ea"/>
-                <a:cs typeface="+mn-cs"/>
-              </a:rPr>
-              <a:t> 왜 필요한 것일까요</a:t>
-            </a:r>
-            <a:r>
-              <a:rPr lang="en-US" altLang="ko-KR" sz="1200" b="0" i="0" kern="1200" dirty="0">
-                <a:solidFill>
-                  <a:schemeClr val="tx1"/>
-                </a:solidFill>
-                <a:effectLst/>
-                <a:latin typeface="+mn-lt"/>
-                <a:ea typeface="+mn-ea"/>
-                <a:cs typeface="+mn-cs"/>
-              </a:rPr>
-              <a:t>?</a:t>
-            </a:r>
-          </a:p>
-          <a:p>
-            <a:pPr marL="0" indent="0">
-              <a:buNone/>
-            </a:pPr>
-            <a:endParaRPr lang="en-US" altLang="ko-KR" sz="1200" b="0" i="0" kern="1200" dirty="0">
-              <a:solidFill>
-                <a:schemeClr val="tx1"/>
-              </a:solidFill>
-              <a:effectLst/>
-              <a:latin typeface="+mn-lt"/>
-              <a:ea typeface="+mn-ea"/>
-              <a:cs typeface="+mn-cs"/>
-            </a:endParaRPr>
-          </a:p>
-          <a:p>
-            <a:pPr marL="0" indent="0">
-              <a:buNone/>
-            </a:pPr>
-            <a:r>
-              <a:rPr lang="ko-KR" altLang="en-US" sz="1200" b="0" i="0" kern="1200" dirty="0">
-                <a:solidFill>
-                  <a:schemeClr val="tx1"/>
-                </a:solidFill>
-                <a:effectLst/>
-                <a:latin typeface="+mn-lt"/>
-                <a:ea typeface="+mn-ea"/>
-                <a:cs typeface="+mn-cs"/>
-              </a:rPr>
-              <a:t>이러한 </a:t>
-            </a:r>
-            <a:r>
-              <a:rPr lang="en-US" altLang="ko-KR" sz="1200" b="0" i="0" kern="1200" dirty="0">
-                <a:solidFill>
-                  <a:schemeClr val="tx1"/>
-                </a:solidFill>
-                <a:effectLst/>
-                <a:latin typeface="+mn-lt"/>
-                <a:ea typeface="+mn-ea"/>
-                <a:cs typeface="+mn-cs"/>
-              </a:rPr>
-              <a:t>UML</a:t>
-            </a:r>
-            <a:r>
-              <a:rPr lang="ko-KR" altLang="en-US" sz="1200" b="0" i="0" kern="1200" dirty="0">
-                <a:solidFill>
-                  <a:schemeClr val="tx1"/>
-                </a:solidFill>
-                <a:effectLst/>
-                <a:latin typeface="+mn-lt"/>
-                <a:ea typeface="+mn-ea"/>
-                <a:cs typeface="+mn-cs"/>
-              </a:rPr>
-              <a:t>은 객체지향 소프트웨어의 로직을 시각적으로 확인할 수 있는 그래프 형태로 되어 있으며</a:t>
-            </a:r>
-            <a:endParaRPr lang="en-US" altLang="ko-KR" sz="1200" b="0" i="0" kern="1200" dirty="0">
-              <a:solidFill>
-                <a:schemeClr val="tx1"/>
-              </a:solidFill>
-              <a:effectLst/>
-              <a:latin typeface="+mn-lt"/>
-              <a:ea typeface="+mn-ea"/>
-              <a:cs typeface="+mn-cs"/>
-            </a:endParaRPr>
-          </a:p>
-          <a:p>
-            <a:pPr marL="0" indent="0">
-              <a:buNone/>
-            </a:pPr>
-            <a:r>
-              <a:rPr lang="ko-KR" altLang="en-US" sz="1200" b="0" i="0" kern="1200" dirty="0">
-                <a:solidFill>
-                  <a:schemeClr val="tx1"/>
-                </a:solidFill>
-                <a:effectLst/>
-                <a:latin typeface="+mn-lt"/>
-                <a:ea typeface="+mn-ea"/>
-                <a:cs typeface="+mn-cs"/>
-              </a:rPr>
-              <a:t>그래프의 종류는 굉장히 많습니다</a:t>
-            </a:r>
-            <a:r>
-              <a:rPr lang="en-US" altLang="ko-KR" sz="1200" b="0" i="0" kern="1200" dirty="0">
-                <a:solidFill>
-                  <a:schemeClr val="tx1"/>
-                </a:solidFill>
-                <a:effectLst/>
-                <a:latin typeface="+mn-lt"/>
-                <a:ea typeface="+mn-ea"/>
-                <a:cs typeface="+mn-cs"/>
-              </a:rPr>
-              <a:t>.</a:t>
-            </a:r>
           </a:p>
         </p:txBody>
       </p:sp>
@@ -2467,251 +1178,15 @@
             <a:pPr marL="0" indent="0">
               <a:buNone/>
             </a:pPr>
-            <a:r>
-              <a:rPr lang="ko-KR" altLang="en-US" sz="1200" b="0" i="0" kern="1200" dirty="0">
-                <a:solidFill>
-                  <a:schemeClr val="tx1"/>
-                </a:solidFill>
-                <a:effectLst/>
-                <a:latin typeface="+mn-lt"/>
-                <a:ea typeface="+mn-ea"/>
-                <a:cs typeface="+mn-cs"/>
-              </a:rPr>
-              <a:t>정적</a:t>
-            </a:r>
-            <a:r>
-              <a:rPr lang="en-US" altLang="ko-KR" sz="1200" b="0" i="0" kern="1200" dirty="0">
-                <a:solidFill>
-                  <a:schemeClr val="tx1"/>
-                </a:solidFill>
-                <a:effectLst/>
-                <a:latin typeface="+mn-lt"/>
-                <a:ea typeface="+mn-ea"/>
-                <a:cs typeface="+mn-cs"/>
-              </a:rPr>
-              <a:t>: </a:t>
-            </a:r>
-            <a:r>
-              <a:rPr lang="ko-KR" altLang="en-US" sz="1200" b="0" i="0" kern="1200" dirty="0" err="1">
-                <a:solidFill>
-                  <a:schemeClr val="tx1"/>
-                </a:solidFill>
-                <a:effectLst/>
-                <a:latin typeface="+mn-lt"/>
-                <a:ea typeface="+mn-ea"/>
-                <a:cs typeface="+mn-cs"/>
-              </a:rPr>
-              <a:t>유즈케이스</a:t>
-            </a:r>
-            <a:r>
-              <a:rPr lang="en-US" altLang="ko-KR" sz="1200" b="0" i="0" kern="1200" dirty="0">
-                <a:solidFill>
-                  <a:schemeClr val="tx1"/>
-                </a:solidFill>
-                <a:effectLst/>
-                <a:latin typeface="+mn-lt"/>
-                <a:ea typeface="+mn-ea"/>
-                <a:cs typeface="+mn-cs"/>
-              </a:rPr>
-              <a:t>,</a:t>
-            </a:r>
-            <a:r>
-              <a:rPr lang="ko-KR" altLang="en-US" sz="1200" b="0" i="0" kern="1200" dirty="0">
-                <a:solidFill>
-                  <a:schemeClr val="tx1"/>
-                </a:solidFill>
-                <a:effectLst/>
-                <a:latin typeface="+mn-lt"/>
-                <a:ea typeface="+mn-ea"/>
-                <a:cs typeface="+mn-cs"/>
-              </a:rPr>
-              <a:t>클래스</a:t>
-            </a:r>
-            <a:r>
-              <a:rPr lang="en-US" altLang="ko-KR" sz="1200" b="0" i="0" kern="1200" dirty="0">
-                <a:solidFill>
-                  <a:schemeClr val="tx1"/>
-                </a:solidFill>
-                <a:effectLst/>
-                <a:latin typeface="+mn-lt"/>
-                <a:ea typeface="+mn-ea"/>
-                <a:cs typeface="+mn-cs"/>
-              </a:rPr>
-              <a:t>,</a:t>
-            </a:r>
-            <a:r>
-              <a:rPr lang="ko-KR" altLang="en-US" sz="1200" b="0" i="0" kern="1200" dirty="0">
-                <a:solidFill>
-                  <a:schemeClr val="tx1"/>
-                </a:solidFill>
-                <a:effectLst/>
-                <a:latin typeface="+mn-lt"/>
-                <a:ea typeface="+mn-ea"/>
-                <a:cs typeface="+mn-cs"/>
-              </a:rPr>
-              <a:t>오브젝트</a:t>
-            </a:r>
-            <a:r>
-              <a:rPr lang="en-US" altLang="ko-KR" sz="1200" b="0" i="0" kern="1200" dirty="0">
-                <a:solidFill>
-                  <a:schemeClr val="tx1"/>
-                </a:solidFill>
-                <a:effectLst/>
-                <a:latin typeface="+mn-lt"/>
-                <a:ea typeface="+mn-ea"/>
-                <a:cs typeface="+mn-cs"/>
-              </a:rPr>
-              <a:t>,</a:t>
-            </a:r>
-            <a:r>
-              <a:rPr lang="ko-KR" altLang="en-US" sz="1200" b="0" i="0" kern="1200" dirty="0">
-                <a:solidFill>
-                  <a:schemeClr val="tx1"/>
-                </a:solidFill>
-                <a:effectLst/>
-                <a:latin typeface="+mn-lt"/>
-                <a:ea typeface="+mn-ea"/>
-                <a:cs typeface="+mn-cs"/>
-              </a:rPr>
-              <a:t>컴포넌트</a:t>
-            </a:r>
-            <a:r>
-              <a:rPr lang="en-US" altLang="ko-KR" sz="1200" b="0" i="0" kern="1200" dirty="0">
-                <a:solidFill>
-                  <a:schemeClr val="tx1"/>
-                </a:solidFill>
-                <a:effectLst/>
-                <a:latin typeface="+mn-lt"/>
-                <a:ea typeface="+mn-ea"/>
-                <a:cs typeface="+mn-cs"/>
-              </a:rPr>
-              <a:t>,</a:t>
-            </a:r>
-            <a:r>
-              <a:rPr lang="ko-KR" altLang="en-US" sz="1200" b="0" i="0" kern="1200" dirty="0" err="1">
-                <a:solidFill>
-                  <a:schemeClr val="tx1"/>
-                </a:solidFill>
-                <a:effectLst/>
-                <a:latin typeface="+mn-lt"/>
-                <a:ea typeface="+mn-ea"/>
-                <a:cs typeface="+mn-cs"/>
-              </a:rPr>
-              <a:t>디플로이먼트</a:t>
-            </a:r>
-            <a:r>
-              <a:rPr lang="en-US" altLang="ko-KR" sz="1200" b="0" i="0" kern="1200" dirty="0">
-                <a:solidFill>
-                  <a:schemeClr val="tx1"/>
-                </a:solidFill>
-                <a:effectLst/>
-                <a:latin typeface="+mn-lt"/>
-                <a:ea typeface="+mn-ea"/>
-                <a:cs typeface="+mn-cs"/>
-              </a:rPr>
-              <a:t>…</a:t>
-            </a:r>
-          </a:p>
-          <a:p>
-            <a:pPr marL="0" indent="0">
-              <a:buNone/>
-            </a:pPr>
-            <a:r>
-              <a:rPr lang="ko-KR" altLang="en-US" sz="1200" b="0" i="0" kern="1200" dirty="0">
-                <a:solidFill>
-                  <a:schemeClr val="tx1"/>
-                </a:solidFill>
-                <a:effectLst/>
-                <a:latin typeface="+mn-lt"/>
-                <a:ea typeface="+mn-ea"/>
-                <a:cs typeface="+mn-cs"/>
-              </a:rPr>
-              <a:t>동적</a:t>
-            </a:r>
-            <a:r>
-              <a:rPr lang="en-US" altLang="ko-KR" sz="1200" b="0" i="0" kern="1200" dirty="0">
-                <a:solidFill>
-                  <a:schemeClr val="tx1"/>
-                </a:solidFill>
-                <a:effectLst/>
-                <a:latin typeface="+mn-lt"/>
-                <a:ea typeface="+mn-ea"/>
-                <a:cs typeface="+mn-cs"/>
-              </a:rPr>
-              <a:t>:</a:t>
-            </a:r>
-            <a:r>
-              <a:rPr lang="ko-KR" altLang="en-US" sz="1200" b="0" i="0" kern="1200" dirty="0">
-                <a:solidFill>
-                  <a:schemeClr val="tx1"/>
-                </a:solidFill>
-                <a:effectLst/>
-                <a:latin typeface="+mn-lt"/>
-                <a:ea typeface="+mn-ea"/>
-                <a:cs typeface="+mn-cs"/>
-              </a:rPr>
-              <a:t>액티비티</a:t>
-            </a:r>
-            <a:r>
-              <a:rPr lang="en-US" altLang="ko-KR" sz="1200" b="0" i="0" kern="1200" dirty="0">
-                <a:solidFill>
-                  <a:schemeClr val="tx1"/>
-                </a:solidFill>
-                <a:effectLst/>
-                <a:latin typeface="+mn-lt"/>
-                <a:ea typeface="+mn-ea"/>
-                <a:cs typeface="+mn-cs"/>
-              </a:rPr>
-              <a:t>,</a:t>
-            </a:r>
-            <a:r>
-              <a:rPr lang="ko-KR" altLang="en-US" sz="1200" b="0" i="0" kern="1200" dirty="0">
-                <a:solidFill>
-                  <a:schemeClr val="tx1"/>
-                </a:solidFill>
-                <a:effectLst/>
-                <a:latin typeface="+mn-lt"/>
-                <a:ea typeface="+mn-ea"/>
-                <a:cs typeface="+mn-cs"/>
-              </a:rPr>
-              <a:t>시퀀스</a:t>
-            </a:r>
-            <a:r>
-              <a:rPr lang="en-US" altLang="ko-KR" sz="1200" b="0" i="0" kern="1200" dirty="0">
-                <a:solidFill>
-                  <a:schemeClr val="tx1"/>
-                </a:solidFill>
-                <a:effectLst/>
-                <a:latin typeface="+mn-lt"/>
-                <a:ea typeface="+mn-ea"/>
-                <a:cs typeface="+mn-cs"/>
-              </a:rPr>
-              <a:t>,</a:t>
-            </a:r>
-            <a:r>
-              <a:rPr lang="ko-KR" altLang="en-US" sz="1200" b="0" i="0" kern="1200" dirty="0" err="1">
-                <a:solidFill>
-                  <a:schemeClr val="tx1"/>
-                </a:solidFill>
-                <a:effectLst/>
-                <a:latin typeface="+mn-lt"/>
-                <a:ea typeface="+mn-ea"/>
-                <a:cs typeface="+mn-cs"/>
-              </a:rPr>
-              <a:t>스테이트</a:t>
-            </a:r>
-            <a:r>
-              <a:rPr lang="en-US" altLang="ko-KR" sz="1200" b="0" i="0" kern="1200" dirty="0">
-                <a:solidFill>
-                  <a:schemeClr val="tx1"/>
-                </a:solidFill>
-                <a:effectLst/>
-                <a:latin typeface="+mn-lt"/>
-                <a:ea typeface="+mn-ea"/>
-                <a:cs typeface="+mn-cs"/>
-              </a:rPr>
-              <a:t> ….</a:t>
-            </a:r>
+            <a:endParaRPr lang="en-US" altLang="ko-KR" sz="1200" b="0" i="0" kern="1200" dirty="0">
+              <a:solidFill>
+                <a:schemeClr val="tx1"/>
+              </a:solidFill>
+              <a:effectLst/>
+              <a:latin typeface="+mn-lt"/>
+              <a:ea typeface="+mn-ea"/>
+              <a:cs typeface="+mn-cs"/>
+            </a:endParaRPr>
           </a:p>
         </p:txBody>
       </p:sp>
@@ -3468,7 +1943,7 @@
           <a:p>
             <a:fld id="{46A2558D-9475-4DD4-8F32-96381613298F}" type="datetimeFigureOut">
               <a:rPr lang="ko-KR" altLang="en-US" smtClean="0"/>
-              <a:t>2018-12-24</a:t>
+              <a:t>2018-12-28</a:t>
             </a:fld>
             <a:endParaRPr lang="ko-KR" altLang="en-US"/>
           </a:p>
@@ -3666,7 +2141,7 @@
           <a:p>
             <a:fld id="{46A2558D-9475-4DD4-8F32-96381613298F}" type="datetimeFigureOut">
               <a:rPr lang="ko-KR" altLang="en-US" smtClean="0"/>
-              <a:t>2018-12-24</a:t>
+              <a:t>2018-12-28</a:t>
             </a:fld>
             <a:endParaRPr lang="ko-KR" altLang="en-US"/>
           </a:p>
@@ -3874,7 +2349,7 @@
           <a:p>
             <a:fld id="{46A2558D-9475-4DD4-8F32-96381613298F}" type="datetimeFigureOut">
               <a:rPr lang="ko-KR" altLang="en-US" smtClean="0"/>
-              <a:t>2018-12-24</a:t>
+              <a:t>2018-12-28</a:t>
             </a:fld>
             <a:endParaRPr lang="ko-KR" altLang="en-US"/>
           </a:p>
@@ -4072,7 +2547,7 @@
           <a:p>
             <a:fld id="{46A2558D-9475-4DD4-8F32-96381613298F}" type="datetimeFigureOut">
               <a:rPr lang="ko-KR" altLang="en-US" smtClean="0"/>
-              <a:t>2018-12-24</a:t>
+              <a:t>2018-12-28</a:t>
             </a:fld>
             <a:endParaRPr lang="ko-KR" altLang="en-US"/>
           </a:p>
@@ -4347,7 +2822,7 @@
           <a:p>
             <a:fld id="{46A2558D-9475-4DD4-8F32-96381613298F}" type="datetimeFigureOut">
               <a:rPr lang="ko-KR" altLang="en-US" smtClean="0"/>
-              <a:t>2018-12-24</a:t>
+              <a:t>2018-12-28</a:t>
             </a:fld>
             <a:endParaRPr lang="ko-KR" altLang="en-US"/>
           </a:p>
@@ -4612,7 +3087,7 @@
           <a:p>
             <a:fld id="{46A2558D-9475-4DD4-8F32-96381613298F}" type="datetimeFigureOut">
               <a:rPr lang="ko-KR" altLang="en-US" smtClean="0"/>
-              <a:t>2018-12-24</a:t>
+              <a:t>2018-12-28</a:t>
             </a:fld>
             <a:endParaRPr lang="ko-KR" altLang="en-US"/>
           </a:p>
@@ -5024,7 +3499,7 @@
           <a:p>
             <a:fld id="{46A2558D-9475-4DD4-8F32-96381613298F}" type="datetimeFigureOut">
               <a:rPr lang="ko-KR" altLang="en-US" smtClean="0"/>
-              <a:t>2018-12-24</a:t>
+              <a:t>2018-12-28</a:t>
             </a:fld>
             <a:endParaRPr lang="ko-KR" altLang="en-US"/>
           </a:p>
@@ -5165,7 +3640,7 @@
           <a:p>
             <a:fld id="{46A2558D-9475-4DD4-8F32-96381613298F}" type="datetimeFigureOut">
               <a:rPr lang="ko-KR" altLang="en-US" smtClean="0"/>
-              <a:t>2018-12-24</a:t>
+              <a:t>2018-12-28</a:t>
             </a:fld>
             <a:endParaRPr lang="ko-KR" altLang="en-US"/>
           </a:p>
@@ -5278,7 +3753,7 @@
           <a:p>
             <a:fld id="{46A2558D-9475-4DD4-8F32-96381613298F}" type="datetimeFigureOut">
               <a:rPr lang="ko-KR" altLang="en-US" smtClean="0"/>
-              <a:t>2018-12-24</a:t>
+              <a:t>2018-12-28</a:t>
             </a:fld>
             <a:endParaRPr lang="ko-KR" altLang="en-US"/>
           </a:p>
@@ -5589,7 +4064,7 @@
           <a:p>
             <a:fld id="{46A2558D-9475-4DD4-8F32-96381613298F}" type="datetimeFigureOut">
               <a:rPr lang="ko-KR" altLang="en-US" smtClean="0"/>
-              <a:t>2018-12-24</a:t>
+              <a:t>2018-12-28</a:t>
             </a:fld>
             <a:endParaRPr lang="ko-KR" altLang="en-US"/>
           </a:p>
@@ -5877,7 +4352,7 @@
           <a:p>
             <a:fld id="{46A2558D-9475-4DD4-8F32-96381613298F}" type="datetimeFigureOut">
               <a:rPr lang="ko-KR" altLang="en-US" smtClean="0"/>
-              <a:t>2018-12-24</a:t>
+              <a:t>2018-12-28</a:t>
             </a:fld>
             <a:endParaRPr lang="ko-KR" altLang="en-US"/>
           </a:p>
@@ -6118,7 +4593,7 @@
           <a:p>
             <a:fld id="{46A2558D-9475-4DD4-8F32-96381613298F}" type="datetimeFigureOut">
               <a:rPr lang="ko-KR" altLang="en-US" smtClean="0"/>
-              <a:t>2018-12-24</a:t>
+              <a:t>2018-12-28</a:t>
             </a:fld>
             <a:endParaRPr lang="ko-KR" altLang="en-US"/>
           </a:p>
